--- a/About The Project.pptx
+++ b/About The Project.pptx
@@ -1419,7 +1419,7 @@
       </p:grpSpPr>
       <p:sp>
         <p:nvSpPr>
-          <p:cNvPr id="109" name="Google Shape;109;g2e082e2253b_0_22:notes"/>
+          <p:cNvPr id="109" name="Google Shape;109;g2e33a0c4b9e_0_0:notes"/>
           <p:cNvSpPr/>
           <p:nvPr>
             <p:ph idx="2" type="sldImg"/>
@@ -1454,7 +1454,7 @@
       </p:sp>
       <p:sp>
         <p:nvSpPr>
-          <p:cNvPr id="110" name="Google Shape;110;g2e082e2253b_0_22:notes"/>
+          <p:cNvPr id="110" name="Google Shape;110;g2e33a0c4b9e_0_0:notes"/>
           <p:cNvSpPr txBox="1"/>
           <p:nvPr>
             <p:ph idx="1" type="body"/>
@@ -7757,12 +7757,19 @@
         </p:nvSpPr>
         <p:spPr>
           <a:xfrm>
-            <a:off x="387900" y="1489824"/>
+            <a:off x="387900" y="1556249"/>
             <a:ext cx="8368200" cy="3078900"/>
           </a:xfrm>
           <a:prstGeom prst="rect">
             <a:avLst/>
           </a:prstGeom>
+          <a:effectLst>
+            <a:outerShdw blurRad="57150" rotWithShape="0" algn="bl" dir="5400000" dist="19050">
+              <a:srgbClr val="000000">
+                <a:alpha val="50000"/>
+              </a:srgbClr>
+            </a:outerShdw>
+          </a:effectLst>
         </p:spPr>
         <p:txBody>
           <a:bodyPr anchorCtr="0" anchor="t" bIns="91425" lIns="91425" spcFirstLastPara="1" rIns="91425" wrap="square" tIns="91425">
@@ -7834,6 +7841,27 @@
             <a:r>
               <a:rPr lang="ru"/>
               <a:t>Unified API моделей, позволяющий легко работать над проектом другим разработчикам. (А также DI)</a:t>
+            </a:r>
+            <a:endParaRPr/>
+          </a:p>
+          <a:p>
+            <a:pPr indent="-342900" lvl="0" marL="457200" rtl="0" algn="l">
+              <a:spcBef>
+                <a:spcPts val="0"/>
+              </a:spcBef>
+              <a:spcAft>
+                <a:spcPts val="0"/>
+              </a:spcAft>
+              <a:buSzPts val="1800"/>
+              <a:buAutoNum type="arabicPeriod"/>
+            </a:pPr>
+            <a:r>
+              <a:rPr lang="ru" strike="sngStrike"/>
+              <a:t>Pandas</a:t>
+            </a:r>
+            <a:r>
+              <a:rPr lang="ru"/>
+              <a:t> -&gt; Polars для оптимизированной работы с long format данными</a:t>
             </a:r>
             <a:endParaRPr/>
           </a:p>
@@ -7935,7 +7963,7 @@
                 <a:spcPts val="0"/>
               </a:spcAft>
               <a:buSzPts val="1800"/>
-              <a:buAutoNum type="arabicPeriod" startAt="5"/>
+              <a:buAutoNum type="arabicPeriod" startAt="6"/>
             </a:pPr>
             <a:r>
               <a:rPr lang="ru"/>
@@ -7952,7 +7980,7 @@
                 <a:spcPts val="0"/>
               </a:spcAft>
               <a:buSzPts val="1800"/>
-              <a:buAutoNum type="arabicPeriod" startAt="5"/>
+              <a:buAutoNum type="arabicPeriod" startAt="6"/>
             </a:pPr>
             <a:r>
               <a:rPr lang="ru"/>
@@ -7969,7 +7997,7 @@
                 <a:spcPts val="0"/>
               </a:spcAft>
               <a:buSzPts val="1800"/>
-              <a:buAutoNum type="arabicPeriod" startAt="5"/>
+              <a:buAutoNum type="arabicPeriod" startAt="6"/>
             </a:pPr>
             <a:r>
               <a:rPr lang="ru"/>
@@ -7986,7 +8014,7 @@
                 <a:spcPts val="0"/>
               </a:spcAft>
               <a:buSzPts val="1800"/>
-              <a:buAutoNum type="arabicPeriod" startAt="5"/>
+              <a:buAutoNum type="arabicPeriod" startAt="6"/>
             </a:pPr>
             <a:r>
               <a:rPr lang="ru"/>
@@ -8003,11 +8031,28 @@
                 <a:spcPts val="0"/>
               </a:spcAft>
               <a:buSzPts val="1800"/>
-              <a:buAutoNum type="arabicPeriod" startAt="5"/>
+              <a:buAutoNum type="arabicPeriod" startAt="6"/>
             </a:pPr>
             <a:r>
               <a:rPr lang="ru"/>
               <a:t>Для быстрого инференса UserKNN используется FAISS с ANN.</a:t>
+            </a:r>
+            <a:endParaRPr/>
+          </a:p>
+          <a:p>
+            <a:pPr indent="-342900" lvl="0" marL="457200" rtl="0" algn="l">
+              <a:spcBef>
+                <a:spcPts val="0"/>
+              </a:spcBef>
+              <a:spcAft>
+                <a:spcPts val="0"/>
+              </a:spcAft>
+              <a:buSzPts val="1800"/>
+              <a:buAutoNum type="arabicPeriod" startAt="6"/>
+            </a:pPr>
+            <a:r>
+              <a:rPr lang="ru"/>
+              <a:t>Модели и логи маунтированы и синхронизированы. UI - StreamLit</a:t>
             </a:r>
             <a:endParaRPr/>
           </a:p>
